--- a/schematic.pptx
+++ b/schematic.pptx
@@ -6,6 +6,7 @@
   </p:sldMasterIdLst>
   <p:sldIdLst>
     <p:sldId id="256" r:id="rId2"/>
+    <p:sldId id="257" r:id="rId3"/>
   </p:sldIdLst>
   <p:sldSz cx="12192000" cy="6858000"/>
   <p:notesSz cx="6858000" cy="9144000"/>
@@ -104,6 +105,11 @@
       </a:defRPr>
     </a:lvl9pPr>
   </p:defaultTextStyle>
+  <p:extLst>
+    <p:ext uri="{EFAFB233-063F-42B5-8137-9DF3F51BA10A}">
+      <p15:sldGuideLst xmlns:p15="http://schemas.microsoft.com/office/powerpoint/2012/main"/>
+    </p:ext>
+  </p:extLst>
 </p:presentation>
 </file>
 
@@ -3380,7 +3386,7 @@
           <a:p>
             <a:r>
               <a:rPr lang="en-US" sz="1400" dirty="0"/>
-              <a:t>Note: the long yellow wires that connect the breadboard to the digital sockets here at the top were shifted left one socket each on the Arduino-side of the actual model so as to free socket 2 for the grey wire of the stick-control (stick-control schematic not pictured).</a:t>
+              <a:t>Note: the long yellow wires that connect the breadboard to the digital sockets here at the top were shifted left one socket each on the Arduino-side of the actual model so as to free socket 2 for the grey wire of the stick-control (stick-control schematic on next slide).</a:t>
             </a:r>
           </a:p>
         </p:txBody>
@@ -3432,6 +3438,65 @@
     <p:extLst>
       <p:ext uri="{BB962C8B-B14F-4D97-AF65-F5344CB8AC3E}">
         <p14:creationId xmlns:p14="http://schemas.microsoft.com/office/powerpoint/2010/main" val="1330760554"/>
+      </p:ext>
+    </p:extLst>
+  </p:cSld>
+  <p:clrMapOvr>
+    <a:masterClrMapping/>
+  </p:clrMapOvr>
+</p:sld>
+</file>
+
+<file path=ppt/slides/slide2.xml><?xml version="1.0" encoding="utf-8"?>
+<p:sld xmlns:a="http://schemas.openxmlformats.org/drawingml/2006/main" xmlns:r="http://schemas.openxmlformats.org/officeDocument/2006/relationships" xmlns:p="http://schemas.openxmlformats.org/presentationml/2006/main">
+  <p:cSld>
+    <p:spTree>
+      <p:nvGrpSpPr>
+        <p:cNvPr id="1" name=""/>
+        <p:cNvGrpSpPr/>
+        <p:nvPr/>
+      </p:nvGrpSpPr>
+      <p:grpSpPr>
+        <a:xfrm>
+          <a:off x="0" y="0"/>
+          <a:ext cx="0" cy="0"/>
+          <a:chOff x="0" y="0"/>
+          <a:chExt cx="0" cy="0"/>
+        </a:xfrm>
+      </p:grpSpPr>
+      <p:pic>
+        <p:nvPicPr>
+          <p:cNvPr id="4" name="Picture 3">
+            <a:extLst>
+              <a:ext uri="{FF2B5EF4-FFF2-40B4-BE49-F238E27FC236}">
+                <a16:creationId xmlns:a16="http://schemas.microsoft.com/office/drawing/2014/main" id="{F1C10E18-E5D9-4527-8AB0-726A737CA391}"/>
+              </a:ext>
+            </a:extLst>
+          </p:cNvPr>
+          <p:cNvPicPr>
+            <a:picLocks noChangeAspect="1"/>
+          </p:cNvPicPr>
+          <p:nvPr/>
+        </p:nvPicPr>
+        <p:blipFill rotWithShape="1">
+          <a:blip r:embed="rId2"/>
+          <a:srcRect l="15808" t="26861" r="17039" b="6235"/>
+          <a:stretch/>
+        </p:blipFill>
+        <p:spPr>
+          <a:xfrm>
+            <a:off x="988294" y="567983"/>
+            <a:ext cx="10215412" cy="5722034"/>
+          </a:xfrm>
+          <a:prstGeom prst="rect">
+            <a:avLst/>
+          </a:prstGeom>
+        </p:spPr>
+      </p:pic>
+    </p:spTree>
+    <p:extLst>
+      <p:ext uri="{BB962C8B-B14F-4D97-AF65-F5344CB8AC3E}">
+        <p14:creationId xmlns:p14="http://schemas.microsoft.com/office/powerpoint/2010/main" val="3440879860"/>
       </p:ext>
     </p:extLst>
   </p:cSld>
